--- a/2_DesignDocument/presentation/SE2_DD_slides_SergioSoheilErica.pptx
+++ b/2_DesignDocument/presentation/SE2_DD_slides_SergioSoheilErica.pptx
@@ -5,7 +5,7 @@
     <p:sldMasterId id="2147483657" r:id="rId2"/>
   </p:sldMasterIdLst>
   <p:notesMasterIdLst>
-    <p:notesMasterId r:id="rId14"/>
+    <p:notesMasterId r:id="rId16"/>
   </p:notesMasterIdLst>
   <p:sldIdLst>
     <p:sldId id="256" r:id="rId3"/>
@@ -17,8 +17,10 @@
     <p:sldId id="262" r:id="rId9"/>
     <p:sldId id="264" r:id="rId10"/>
     <p:sldId id="265" r:id="rId11"/>
-    <p:sldId id="266" r:id="rId12"/>
-    <p:sldId id="267" r:id="rId13"/>
+    <p:sldId id="269" r:id="rId12"/>
+    <p:sldId id="268" r:id="rId13"/>
+    <p:sldId id="266" r:id="rId14"/>
+    <p:sldId id="267" r:id="rId15"/>
   </p:sldIdLst>
   <p:sldSz cx="9144000" cy="6858000" type="screen4x3"/>
   <p:notesSz cx="7010400" cy="9296400"/>
@@ -183,7 +185,7 @@
 
 <file path=ppt/comments/comment2.xml><?xml version="1.0" encoding="utf-8"?>
 <p:cmLst xmlns:a="http://schemas.openxmlformats.org/drawingml/2006/main" xmlns:r="http://schemas.openxmlformats.org/officeDocument/2006/relationships" xmlns:p="http://schemas.openxmlformats.org/presentationml/2006/main">
-  <p:cm authorId="1" dt="2016-12-14T11:24:59.107" idx="6">
+  <p:cm authorId="1" dt="2016-12-14T11:25:03.540" idx="7">
     <p:pos x="10" y="10"/>
     <p:text>PERSON 1</p:text>
     <p:extLst>
@@ -197,20 +199,6 @@
 
 <file path=ppt/comments/comment3.xml><?xml version="1.0" encoding="utf-8"?>
 <p:cmLst xmlns:a="http://schemas.openxmlformats.org/drawingml/2006/main" xmlns:r="http://schemas.openxmlformats.org/officeDocument/2006/relationships" xmlns:p="http://schemas.openxmlformats.org/presentationml/2006/main">
-  <p:cm authorId="1" dt="2016-12-14T11:25:03.540" idx="7">
-    <p:pos x="10" y="10"/>
-    <p:text>PERSON 1</p:text>
-    <p:extLst>
-      <p:ext uri="{C676402C-5697-4E1C-873F-D02D1690AC5C}">
-        <p15:threadingInfo xmlns:p15="http://schemas.microsoft.com/office/powerpoint/2012/main" timeZoneBias="-60"/>
-      </p:ext>
-    </p:extLst>
-  </p:cm>
-</p:cmLst>
-</file>
-
-<file path=ppt/comments/comment4.xml><?xml version="1.0" encoding="utf-8"?>
-<p:cmLst xmlns:a="http://schemas.openxmlformats.org/drawingml/2006/main" xmlns:r="http://schemas.openxmlformats.org/officeDocument/2006/relationships" xmlns:p="http://schemas.openxmlformats.org/presentationml/2006/main">
   <p:cm authorId="1" dt="2016-12-14T11:25:08.755" idx="8">
     <p:pos x="10" y="10"/>
     <p:text>PERSON 2</p:text>
@@ -223,7 +211,7 @@
 </p:cmLst>
 </file>
 
-<file path=ppt/comments/comment5.xml><?xml version="1.0" encoding="utf-8"?>
+<file path=ppt/comments/comment4.xml><?xml version="1.0" encoding="utf-8"?>
 <p:cmLst xmlns:a="http://schemas.openxmlformats.org/drawingml/2006/main" xmlns:r="http://schemas.openxmlformats.org/officeDocument/2006/relationships" xmlns:p="http://schemas.openxmlformats.org/presentationml/2006/main">
   <p:cm authorId="1" dt="2016-12-14T11:25:12.818" idx="9">
     <p:pos x="10" y="10"/>
@@ -5137,10 +5125,10 @@
               </a:rPr>
             </a:br>
             <a:r>
-              <a:rPr lang="en-US" sz="3200" b="1" dirty="0">
+              <a:rPr lang="en-US" sz="3200" b="1" dirty="0" smtClean="0">
                 <a:latin typeface="Arial Narrow" panose="020B0606020202030204" pitchFamily="34" charset="0"/>
               </a:rPr>
-              <a:t>2016/2017</a:t>
+              <a:t>DESIGN DOCUMENT</a:t>
             </a:r>
             <a:endParaRPr lang="en-US" dirty="0"/>
           </a:p>
@@ -5258,10 +5246,285 @@
   <p:transition spd="med">
     <p:fade/>
   </p:transition>
+  <p:timing>
+    <p:tnLst>
+      <p:par>
+        <p:cTn id="1" dur="indefinite" restart="never" nodeType="tmRoot"/>
+      </p:par>
+    </p:tnLst>
+  </p:timing>
 </p:sld>
 </file>
 
 <file path=ppt/slides/slide10.xml><?xml version="1.0" encoding="utf-8"?>
+<p:sld xmlns:a="http://schemas.openxmlformats.org/drawingml/2006/main" xmlns:r="http://schemas.openxmlformats.org/officeDocument/2006/relationships" xmlns:p="http://schemas.openxmlformats.org/presentationml/2006/main">
+  <p:cSld>
+    <p:spTree>
+      <p:nvGrpSpPr>
+        <p:cNvPr id="1" name=""/>
+        <p:cNvGrpSpPr/>
+        <p:nvPr/>
+      </p:nvGrpSpPr>
+      <p:grpSpPr>
+        <a:xfrm>
+          <a:off x="0" y="0"/>
+          <a:ext cx="0" cy="0"/>
+          <a:chOff x="0" y="0"/>
+          <a:chExt cx="0" cy="0"/>
+        </a:xfrm>
+      </p:grpSpPr>
+      <p:sp>
+        <p:nvSpPr>
+          <p:cNvPr id="2" name="Titolo 1"/>
+          <p:cNvSpPr>
+            <a:spLocks noGrp="1"/>
+          </p:cNvSpPr>
+          <p:nvPr>
+            <p:ph type="title"/>
+          </p:nvPr>
+        </p:nvSpPr>
+        <p:spPr/>
+        <p:txBody>
+          <a:bodyPr/>
+          <a:lstStyle/>
+          <a:p>
+            <a:r>
+              <a:rPr lang="en-US" b="1" dirty="0">
+                <a:latin typeface="Arial Narrow" panose="020B0606020202030204" pitchFamily="34" charset="0"/>
+              </a:rPr>
+              <a:t>ALGORITHMS</a:t>
+            </a:r>
+            <a:endParaRPr lang="it-IT" dirty="0"/>
+          </a:p>
+        </p:txBody>
+      </p:sp>
+      <p:pic>
+        <p:nvPicPr>
+          <p:cNvPr id="5" name="Picture 4"/>
+          <p:cNvPicPr>
+            <a:picLocks noChangeAspect="1"/>
+          </p:cNvPicPr>
+          <p:nvPr/>
+        </p:nvPicPr>
+        <p:blipFill>
+          <a:blip r:embed="rId2"/>
+          <a:stretch>
+            <a:fillRect/>
+          </a:stretch>
+        </p:blipFill>
+        <p:spPr>
+          <a:xfrm>
+            <a:off x="465074" y="1628799"/>
+            <a:ext cx="8221726" cy="4986739"/>
+          </a:xfrm>
+          <a:prstGeom prst="rect">
+            <a:avLst/>
+          </a:prstGeom>
+        </p:spPr>
+      </p:pic>
+    </p:spTree>
+    <p:extLst>
+      <p:ext uri="{BB962C8B-B14F-4D97-AF65-F5344CB8AC3E}">
+        <p14:creationId xmlns:p14="http://schemas.microsoft.com/office/powerpoint/2010/main" val="1509127145"/>
+      </p:ext>
+    </p:extLst>
+  </p:cSld>
+  <p:clrMapOvr>
+    <a:masterClrMapping/>
+  </p:clrMapOvr>
+</p:sld>
+</file>
+
+<file path=ppt/slides/slide11.xml><?xml version="1.0" encoding="utf-8"?>
+<p:sld xmlns:a="http://schemas.openxmlformats.org/drawingml/2006/main" xmlns:r="http://schemas.openxmlformats.org/officeDocument/2006/relationships" xmlns:p="http://schemas.openxmlformats.org/presentationml/2006/main">
+  <p:cSld>
+    <p:spTree>
+      <p:nvGrpSpPr>
+        <p:cNvPr id="1" name=""/>
+        <p:cNvGrpSpPr/>
+        <p:nvPr/>
+      </p:nvGrpSpPr>
+      <p:grpSpPr>
+        <a:xfrm>
+          <a:off x="0" y="0"/>
+          <a:ext cx="0" cy="0"/>
+          <a:chOff x="0" y="0"/>
+          <a:chExt cx="0" cy="0"/>
+        </a:xfrm>
+      </p:grpSpPr>
+      <p:sp>
+        <p:nvSpPr>
+          <p:cNvPr id="2" name="Titolo 1"/>
+          <p:cNvSpPr>
+            <a:spLocks noGrp="1"/>
+          </p:cNvSpPr>
+          <p:nvPr>
+            <p:ph type="title"/>
+          </p:nvPr>
+        </p:nvSpPr>
+        <p:spPr/>
+        <p:txBody>
+          <a:bodyPr/>
+          <a:lstStyle/>
+          <a:p>
+            <a:r>
+              <a:rPr lang="it-IT" sz="4000" dirty="0">
+                <a:latin typeface="Arial Narrow" panose="020B0606020202030204" pitchFamily="34" charset="0"/>
+              </a:rPr>
+              <a:t>USER EXPERIENCE</a:t>
+            </a:r>
+            <a:r>
+              <a:rPr lang="it-IT" dirty="0">
+                <a:latin typeface="Arial Narrow" panose="020B0606020202030204" pitchFamily="34" charset="0"/>
+              </a:rPr>
+              <a:t/>
+            </a:r>
+            <a:br>
+              <a:rPr lang="it-IT" dirty="0">
+                <a:latin typeface="Arial Narrow" panose="020B0606020202030204" pitchFamily="34" charset="0"/>
+              </a:rPr>
+            </a:br>
+            <a:r>
+              <a:rPr lang="en-US" sz="3600" b="1" dirty="0" smtClean="0">
+                <a:latin typeface="Arial Narrow" panose="020B0606020202030204" pitchFamily="34" charset="0"/>
+              </a:rPr>
+              <a:t>SAVING MONEY OPTION MOCK-UPs</a:t>
+            </a:r>
+            <a:endParaRPr lang="it-IT" sz="3600" dirty="0"/>
+          </a:p>
+        </p:txBody>
+      </p:sp>
+      <p:pic>
+        <p:nvPicPr>
+          <p:cNvPr id="5" name="Picture 4"/>
+          <p:cNvPicPr>
+            <a:picLocks noChangeAspect="1"/>
+          </p:cNvPicPr>
+          <p:nvPr/>
+        </p:nvPicPr>
+        <p:blipFill rotWithShape="1">
+          <a:blip r:embed="rId2">
+            <a:extLst>
+              <a:ext uri="{28A0092B-C50C-407E-A947-70E740481C1C}">
+                <a14:useLocalDpi xmlns:a14="http://schemas.microsoft.com/office/drawing/2010/main" val="0"/>
+              </a:ext>
+            </a:extLst>
+          </a:blip>
+          <a:srcRect l="20075" r="21363"/>
+          <a:stretch/>
+        </p:blipFill>
+        <p:spPr>
+          <a:xfrm>
+            <a:off x="755576" y="2276872"/>
+            <a:ext cx="1756686" cy="3284984"/>
+          </a:xfrm>
+          <a:prstGeom prst="rect">
+            <a:avLst/>
+          </a:prstGeom>
+        </p:spPr>
+      </p:pic>
+      <p:pic>
+        <p:nvPicPr>
+          <p:cNvPr id="6" name="Picture 5"/>
+          <p:cNvPicPr>
+            <a:picLocks noChangeAspect="1"/>
+          </p:cNvPicPr>
+          <p:nvPr/>
+        </p:nvPicPr>
+        <p:blipFill rotWithShape="1">
+          <a:blip r:embed="rId3">
+            <a:extLst>
+              <a:ext uri="{28A0092B-C50C-407E-A947-70E740481C1C}">
+                <a14:useLocalDpi xmlns:a14="http://schemas.microsoft.com/office/drawing/2010/main" val="0"/>
+              </a:ext>
+            </a:extLst>
+          </a:blip>
+          <a:srcRect l="22066" r="21624"/>
+          <a:stretch/>
+        </p:blipFill>
+        <p:spPr>
+          <a:xfrm>
+            <a:off x="2766460" y="2276872"/>
+            <a:ext cx="1705648" cy="3317124"/>
+          </a:xfrm>
+          <a:prstGeom prst="rect">
+            <a:avLst/>
+          </a:prstGeom>
+        </p:spPr>
+      </p:pic>
+      <p:pic>
+        <p:nvPicPr>
+          <p:cNvPr id="7" name="Picture 6"/>
+          <p:cNvPicPr>
+            <a:picLocks noChangeAspect="1"/>
+          </p:cNvPicPr>
+          <p:nvPr/>
+        </p:nvPicPr>
+        <p:blipFill rotWithShape="1">
+          <a:blip r:embed="rId4">
+            <a:extLst>
+              <a:ext uri="{28A0092B-C50C-407E-A947-70E740481C1C}">
+                <a14:useLocalDpi xmlns:a14="http://schemas.microsoft.com/office/drawing/2010/main" val="0"/>
+              </a:ext>
+            </a:extLst>
+          </a:blip>
+          <a:srcRect l="20272" r="18914"/>
+          <a:stretch/>
+        </p:blipFill>
+        <p:spPr>
+          <a:xfrm>
+            <a:off x="6588224" y="2276872"/>
+            <a:ext cx="1846709" cy="3325423"/>
+          </a:xfrm>
+          <a:prstGeom prst="rect">
+            <a:avLst/>
+          </a:prstGeom>
+        </p:spPr>
+      </p:pic>
+      <p:pic>
+        <p:nvPicPr>
+          <p:cNvPr id="8" name="Picture 7"/>
+          <p:cNvPicPr>
+            <a:picLocks noChangeAspect="1"/>
+          </p:cNvPicPr>
+          <p:nvPr/>
+        </p:nvPicPr>
+        <p:blipFill>
+          <a:blip r:embed="rId5">
+            <a:extLst>
+              <a:ext uri="{28A0092B-C50C-407E-A947-70E740481C1C}">
+                <a14:useLocalDpi xmlns:a14="http://schemas.microsoft.com/office/drawing/2010/main" val="0"/>
+              </a:ext>
+            </a:extLst>
+          </a:blip>
+          <a:stretch>
+            <a:fillRect/>
+          </a:stretch>
+        </p:blipFill>
+        <p:spPr>
+          <a:xfrm>
+            <a:off x="4687114" y="2276872"/>
+            <a:ext cx="1699494" cy="3368870"/>
+          </a:xfrm>
+          <a:prstGeom prst="rect">
+            <a:avLst/>
+          </a:prstGeom>
+        </p:spPr>
+      </p:pic>
+    </p:spTree>
+    <p:extLst>
+      <p:ext uri="{BB962C8B-B14F-4D97-AF65-F5344CB8AC3E}">
+        <p14:creationId xmlns:p14="http://schemas.microsoft.com/office/powerpoint/2010/main" val="2130486892"/>
+      </p:ext>
+    </p:extLst>
+  </p:cSld>
+  <p:clrMapOvr>
+    <a:masterClrMapping/>
+  </p:clrMapOvr>
+</p:sld>
+</file>
+
+<file path=ppt/slides/slide12.xml><?xml version="1.0" encoding="utf-8"?>
 <p:sld xmlns:a="http://schemas.openxmlformats.org/drawingml/2006/main" xmlns:r="http://schemas.openxmlformats.org/officeDocument/2006/relationships" xmlns:p="http://schemas.openxmlformats.org/presentationml/2006/main">
   <p:cSld>
     <p:spTree>
@@ -5357,7 +5620,7 @@
 </p:sld>
 </file>
 
-<file path=ppt/slides/slide11.xml><?xml version="1.0" encoding="utf-8"?>
+<file path=ppt/slides/slide13.xml><?xml version="1.0" encoding="utf-8"?>
 <p:sld xmlns:a="http://schemas.openxmlformats.org/drawingml/2006/main" xmlns:r="http://schemas.openxmlformats.org/officeDocument/2006/relationships" xmlns:p="http://schemas.openxmlformats.org/presentationml/2006/main">
   <p:cSld>
     <p:spTree>
@@ -5490,6 +5753,13 @@
   <p:transition spd="med">
     <p:fade/>
   </p:transition>
+  <p:timing>
+    <p:tnLst>
+      <p:par>
+        <p:cTn id="1" dur="indefinite" restart="never" nodeType="tmRoot"/>
+      </p:par>
+    </p:tnLst>
+  </p:timing>
 </p:sld>
 </file>
 
@@ -6113,6 +6383,13 @@
   <p:transition spd="med">
     <p:fade/>
   </p:transition>
+  <p:timing>
+    <p:tnLst>
+      <p:par>
+        <p:cTn id="1" dur="indefinite" restart="never" nodeType="tmRoot"/>
+      </p:par>
+    </p:tnLst>
+  </p:timing>
 </p:sld>
 </file>
 
@@ -7261,7 +7538,7 @@
         </p:nvSpPr>
         <p:spPr>
           <a:xfrm>
-            <a:off x="673674" y="1706845"/>
+            <a:off x="539552" y="1706845"/>
             <a:ext cx="1494320" cy="400110"/>
           </a:xfrm>
           <a:prstGeom prst="rect">
@@ -7431,7 +7708,15 @@
             </a:r>
             <a:r>
               <a:rPr lang="en-US" dirty="0"/>
-              <a:t>server side manage all the application. </a:t>
+              <a:t>server side </a:t>
+            </a:r>
+            <a:r>
+              <a:rPr lang="en-US" dirty="0" smtClean="0"/>
+              <a:t>manages </a:t>
+            </a:r>
+            <a:r>
+              <a:rPr lang="en-US" dirty="0"/>
+              <a:t>all the application. </a:t>
             </a:r>
             <a:r>
               <a:rPr lang="en-US" dirty="0" smtClean="0"/>
@@ -7439,17 +7724,24 @@
             </a:r>
             <a:r>
               <a:rPr lang="en-US" dirty="0"/>
-              <a:t>client is represented by the mobile application and just request and show </a:t>
-            </a:r>
-            <a:r>
-              <a:rPr lang="en-US" dirty="0" err="1"/>
-              <a:t>infomations</a:t>
+              <a:t>client is represented by the mobile application and just </a:t>
+            </a:r>
+            <a:r>
+              <a:rPr lang="en-US" dirty="0" smtClean="0"/>
+              <a:t>requests </a:t>
             </a:r>
             <a:r>
               <a:rPr lang="en-US" dirty="0"/>
-              <a:t> by the server.</a:t>
-            </a:r>
-            <a:endParaRPr lang="en-US" dirty="0"/>
+              <a:t>and </a:t>
+            </a:r>
+            <a:r>
+              <a:rPr lang="en-US" dirty="0" smtClean="0"/>
+              <a:t>shows information </a:t>
+            </a:r>
+            <a:r>
+              <a:rPr lang="en-US" dirty="0"/>
+              <a:t>by the server.</a:t>
+            </a:r>
           </a:p>
         </p:txBody>
       </p:sp>
@@ -7477,7 +7769,31 @@
           <a:p>
             <a:r>
               <a:rPr lang="it-IT" dirty="0" smtClean="0"/>
-              <a:t>Used to separate who own the business logic (controller) from who own the data (model) and who show the data (view). Used both in server side and client side.</a:t>
+              <a:t>Used to separate who </a:t>
+            </a:r>
+            <a:r>
+              <a:rPr lang="it-IT" dirty="0" smtClean="0"/>
+              <a:t>owns </a:t>
+            </a:r>
+            <a:r>
+              <a:rPr lang="it-IT" dirty="0" smtClean="0"/>
+              <a:t>the business logic (controller) from who </a:t>
+            </a:r>
+            <a:r>
+              <a:rPr lang="it-IT" dirty="0" smtClean="0"/>
+              <a:t>owns </a:t>
+            </a:r>
+            <a:r>
+              <a:rPr lang="it-IT" dirty="0" smtClean="0"/>
+              <a:t>the data (model) and who </a:t>
+            </a:r>
+            <a:r>
+              <a:rPr lang="it-IT" dirty="0" smtClean="0"/>
+              <a:t>shows </a:t>
+            </a:r>
+            <a:r>
+              <a:rPr lang="it-IT" dirty="0" smtClean="0"/>
+              <a:t>the data (view). Used both in server side and client side.</a:t>
             </a:r>
             <a:endParaRPr lang="it-IT" dirty="0"/>
           </a:p>
@@ -7527,7 +7843,15 @@
             </a:r>
             <a:r>
               <a:rPr lang="en-US" dirty="0" smtClean="0"/>
-              <a:t>storage are hided from </a:t>
+              <a:t>storage are </a:t>
+            </a:r>
+            <a:r>
+              <a:rPr lang="en-US" dirty="0" smtClean="0"/>
+              <a:t>hidden </a:t>
+            </a:r>
+            <a:r>
+              <a:rPr lang="en-US" dirty="0" smtClean="0"/>
+              <a:t>from </a:t>
             </a:r>
             <a:r>
               <a:rPr lang="en-US" dirty="0"/>
@@ -7604,1074 +7928,30 @@
           </a:p>
         </p:txBody>
       </p:sp>
-      <p:sp>
-        <p:nvSpPr>
-          <p:cNvPr id="3" name="Segnaposto testo 2"/>
-          <p:cNvSpPr>
-            <a:spLocks noGrp="1"/>
-          </p:cNvSpPr>
-          <p:nvPr>
-            <p:ph type="body" sz="half" idx="1"/>
-          </p:nvPr>
-        </p:nvSpPr>
+      <p:pic>
+        <p:nvPicPr>
+          <p:cNvPr id="5" name="Picture 4"/>
+          <p:cNvPicPr>
+            <a:picLocks noChangeAspect="1"/>
+          </p:cNvPicPr>
+          <p:nvPr/>
+        </p:nvPicPr>
+        <p:blipFill>
+          <a:blip r:embed="rId2"/>
+          <a:stretch>
+            <a:fillRect/>
+          </a:stretch>
+        </p:blipFill>
         <p:spPr>
           <a:xfrm>
-            <a:off x="534380" y="1628800"/>
-            <a:ext cx="8430108" cy="4824536"/>
+            <a:off x="1638300" y="1556792"/>
+            <a:ext cx="5867400" cy="5191125"/>
           </a:xfrm>
+          <a:prstGeom prst="rect">
+            <a:avLst/>
+          </a:prstGeom>
         </p:spPr>
-        <p:txBody>
-          <a:bodyPr/>
-          <a:lstStyle/>
-          <a:p>
-            <a:pPr marL="0" indent="0">
-              <a:buNone/>
-            </a:pPr>
-            <a:r>
-              <a:rPr lang="en-GB" sz="1200" b="1" dirty="0">
-                <a:solidFill>
-                  <a:schemeClr val="tx2">
-                    <a:lumMod val="75000"/>
-                  </a:schemeClr>
-                </a:solidFill>
-                <a:latin typeface="Consolas" panose="020B0609020204030204" pitchFamily="49" charset="0"/>
-              </a:rPr>
-              <a:t>function </a:t>
-            </a:r>
-            <a:r>
-              <a:rPr lang="en-GB" sz="1200" b="1" dirty="0" err="1">
-                <a:solidFill>
-                  <a:schemeClr val="tx2">
-                    <a:lumMod val="75000"/>
-                  </a:schemeClr>
-                </a:solidFill>
-                <a:latin typeface="Consolas" panose="020B0609020204030204" pitchFamily="49" charset="0"/>
-              </a:rPr>
-              <a:t>calculateFinalAmount</a:t>
-            </a:r>
-            <a:r>
-              <a:rPr lang="en-GB" sz="1200" b="1" dirty="0">
-                <a:solidFill>
-                  <a:schemeClr val="tx2">
-                    <a:lumMod val="75000"/>
-                  </a:schemeClr>
-                </a:solidFill>
-                <a:latin typeface="Consolas" panose="020B0609020204030204" pitchFamily="49" charset="0"/>
-              </a:rPr>
-              <a:t>(car)</a:t>
-            </a:r>
-            <a:r>
-              <a:rPr lang="en-GB" sz="1200" dirty="0">
-                <a:solidFill>
-                  <a:schemeClr val="tx2">
-                    <a:lumMod val="75000"/>
-                  </a:schemeClr>
-                </a:solidFill>
-                <a:latin typeface="Consolas" panose="020B0609020204030204" pitchFamily="49" charset="0"/>
-              </a:rPr>
-              <a:t> {</a:t>
-            </a:r>
-            <a:endParaRPr lang="it-IT" sz="1200" dirty="0">
-              <a:solidFill>
-                <a:schemeClr val="tx2">
-                  <a:lumMod val="75000"/>
-                </a:schemeClr>
-              </a:solidFill>
-              <a:latin typeface="Consolas" panose="020B0609020204030204" pitchFamily="49" charset="0"/>
-            </a:endParaRPr>
-          </a:p>
-          <a:p>
-            <a:pPr marL="0" indent="0">
-              <a:buNone/>
-            </a:pPr>
-            <a:r>
-              <a:rPr lang="en-GB" sz="1200" dirty="0">
-                <a:solidFill>
-                  <a:schemeClr val="tx2">
-                    <a:lumMod val="75000"/>
-                  </a:schemeClr>
-                </a:solidFill>
-                <a:latin typeface="Consolas" panose="020B0609020204030204" pitchFamily="49" charset="0"/>
-              </a:rPr>
-              <a:t>  float </a:t>
-            </a:r>
-            <a:r>
-              <a:rPr lang="en-GB" sz="1200" dirty="0" err="1">
-                <a:solidFill>
-                  <a:schemeClr val="tx2">
-                    <a:lumMod val="75000"/>
-                  </a:schemeClr>
-                </a:solidFill>
-                <a:latin typeface="Consolas" panose="020B0609020204030204" pitchFamily="49" charset="0"/>
-              </a:rPr>
-              <a:t>timeUsed</a:t>
-            </a:r>
-            <a:r>
-              <a:rPr lang="en-GB" sz="1200" dirty="0">
-                <a:solidFill>
-                  <a:schemeClr val="tx2">
-                    <a:lumMod val="75000"/>
-                  </a:schemeClr>
-                </a:solidFill>
-                <a:latin typeface="Consolas" panose="020B0609020204030204" pitchFamily="49" charset="0"/>
-              </a:rPr>
-              <a:t> = </a:t>
-            </a:r>
-            <a:r>
-              <a:rPr lang="en-GB" sz="1200" dirty="0" err="1">
-                <a:solidFill>
-                  <a:schemeClr val="tx2">
-                    <a:lumMod val="75000"/>
-                  </a:schemeClr>
-                </a:solidFill>
-                <a:latin typeface="Consolas" panose="020B0609020204030204" pitchFamily="49" charset="0"/>
-              </a:rPr>
-              <a:t>car.getTripLength</a:t>
-            </a:r>
-            <a:r>
-              <a:rPr lang="en-GB" sz="1200" dirty="0">
-                <a:solidFill>
-                  <a:schemeClr val="tx2">
-                    <a:lumMod val="75000"/>
-                  </a:schemeClr>
-                </a:solidFill>
-                <a:latin typeface="Consolas" panose="020B0609020204030204" pitchFamily="49" charset="0"/>
-              </a:rPr>
-              <a:t>();</a:t>
-            </a:r>
-            <a:endParaRPr lang="it-IT" sz="1200" dirty="0">
-              <a:solidFill>
-                <a:schemeClr val="tx2">
-                  <a:lumMod val="75000"/>
-                </a:schemeClr>
-              </a:solidFill>
-              <a:latin typeface="Consolas" panose="020B0609020204030204" pitchFamily="49" charset="0"/>
-            </a:endParaRPr>
-          </a:p>
-          <a:p>
-            <a:pPr marL="0" indent="0">
-              <a:buNone/>
-            </a:pPr>
-            <a:r>
-              <a:rPr lang="en-GB" sz="1200" dirty="0">
-                <a:solidFill>
-                  <a:schemeClr val="tx2">
-                    <a:lumMod val="75000"/>
-                  </a:schemeClr>
-                </a:solidFill>
-                <a:latin typeface="Consolas" panose="020B0609020204030204" pitchFamily="49" charset="0"/>
-              </a:rPr>
-              <a:t>  float </a:t>
-            </a:r>
-            <a:r>
-              <a:rPr lang="en-GB" sz="1200" dirty="0" err="1">
-                <a:solidFill>
-                  <a:schemeClr val="tx2">
-                    <a:lumMod val="75000"/>
-                  </a:schemeClr>
-                </a:solidFill>
-                <a:latin typeface="Consolas" panose="020B0609020204030204" pitchFamily="49" charset="0"/>
-              </a:rPr>
-              <a:t>passengerDiscount</a:t>
-            </a:r>
-            <a:r>
-              <a:rPr lang="en-GB" sz="1200" dirty="0">
-                <a:solidFill>
-                  <a:schemeClr val="tx2">
-                    <a:lumMod val="75000"/>
-                  </a:schemeClr>
-                </a:solidFill>
-                <a:latin typeface="Consolas" panose="020B0609020204030204" pitchFamily="49" charset="0"/>
-              </a:rPr>
-              <a:t> = 0, </a:t>
-            </a:r>
-            <a:r>
-              <a:rPr lang="en-GB" sz="1200" dirty="0" err="1">
-                <a:solidFill>
-                  <a:schemeClr val="tx2">
-                    <a:lumMod val="75000"/>
-                  </a:schemeClr>
-                </a:solidFill>
-                <a:latin typeface="Consolas" panose="020B0609020204030204" pitchFamily="49" charset="0"/>
-              </a:rPr>
-              <a:t>batteryDiscount</a:t>
-            </a:r>
-            <a:r>
-              <a:rPr lang="en-GB" sz="1200" dirty="0">
-                <a:solidFill>
-                  <a:schemeClr val="tx2">
-                    <a:lumMod val="75000"/>
-                  </a:schemeClr>
-                </a:solidFill>
-                <a:latin typeface="Consolas" panose="020B0609020204030204" pitchFamily="49" charset="0"/>
-              </a:rPr>
-              <a:t> = 0, </a:t>
-            </a:r>
-            <a:r>
-              <a:rPr lang="en-GB" sz="1200" dirty="0" err="1">
-                <a:solidFill>
-                  <a:schemeClr val="tx2">
-                    <a:lumMod val="75000"/>
-                  </a:schemeClr>
-                </a:solidFill>
-                <a:latin typeface="Consolas" panose="020B0609020204030204" pitchFamily="49" charset="0"/>
-              </a:rPr>
-              <a:t>plugDiscount</a:t>
-            </a:r>
-            <a:r>
-              <a:rPr lang="en-GB" sz="1200" dirty="0">
-                <a:solidFill>
-                  <a:schemeClr val="tx2">
-                    <a:lumMod val="75000"/>
-                  </a:schemeClr>
-                </a:solidFill>
-                <a:latin typeface="Consolas" panose="020B0609020204030204" pitchFamily="49" charset="0"/>
-              </a:rPr>
-              <a:t> = 0, </a:t>
-            </a:r>
-            <a:r>
-              <a:rPr lang="en-GB" sz="1200" dirty="0" err="1">
-                <a:solidFill>
-                  <a:schemeClr val="tx2">
-                    <a:lumMod val="75000"/>
-                  </a:schemeClr>
-                </a:solidFill>
-                <a:latin typeface="Consolas" panose="020B0609020204030204" pitchFamily="49" charset="0"/>
-              </a:rPr>
-              <a:t>lowBatteryFee</a:t>
-            </a:r>
-            <a:r>
-              <a:rPr lang="en-GB" sz="1200" dirty="0">
-                <a:solidFill>
-                  <a:schemeClr val="tx2">
-                    <a:lumMod val="75000"/>
-                  </a:schemeClr>
-                </a:solidFill>
-                <a:latin typeface="Consolas" panose="020B0609020204030204" pitchFamily="49" charset="0"/>
-              </a:rPr>
-              <a:t> = 0;</a:t>
-            </a:r>
-            <a:endParaRPr lang="it-IT" sz="1200" dirty="0">
-              <a:solidFill>
-                <a:schemeClr val="tx2">
-                  <a:lumMod val="75000"/>
-                </a:schemeClr>
-              </a:solidFill>
-              <a:latin typeface="Consolas" panose="020B0609020204030204" pitchFamily="49" charset="0"/>
-            </a:endParaRPr>
-          </a:p>
-          <a:p>
-            <a:pPr marL="0" indent="0">
-              <a:buNone/>
-            </a:pPr>
-            <a:r>
-              <a:rPr lang="en-GB" sz="1200" dirty="0">
-                <a:solidFill>
-                  <a:schemeClr val="tx2">
-                    <a:lumMod val="75000"/>
-                  </a:schemeClr>
-                </a:solidFill>
-                <a:latin typeface="Consolas" panose="020B0609020204030204" pitchFamily="49" charset="0"/>
-              </a:rPr>
-              <a:t>  float total = </a:t>
-            </a:r>
-            <a:r>
-              <a:rPr lang="en-GB" sz="1200" dirty="0" err="1">
-                <a:solidFill>
-                  <a:schemeClr val="tx2">
-                    <a:lumMod val="75000"/>
-                  </a:schemeClr>
-                </a:solidFill>
-                <a:latin typeface="Consolas" panose="020B0609020204030204" pitchFamily="49" charset="0"/>
-              </a:rPr>
-              <a:t>timeUsed</a:t>
-            </a:r>
-            <a:r>
-              <a:rPr lang="en-GB" sz="1200" dirty="0">
-                <a:solidFill>
-                  <a:schemeClr val="tx2">
-                    <a:lumMod val="75000"/>
-                  </a:schemeClr>
-                </a:solidFill>
-                <a:latin typeface="Consolas" panose="020B0609020204030204" pitchFamily="49" charset="0"/>
-              </a:rPr>
-              <a:t> * </a:t>
-            </a:r>
-            <a:r>
-              <a:rPr lang="en-GB" sz="1200" dirty="0" err="1">
-                <a:solidFill>
-                  <a:schemeClr val="tx2">
-                    <a:lumMod val="75000"/>
-                  </a:schemeClr>
-                </a:solidFill>
-                <a:latin typeface="Consolas" panose="020B0609020204030204" pitchFamily="49" charset="0"/>
-              </a:rPr>
-              <a:t>System.pricePerMinute</a:t>
-            </a:r>
-            <a:r>
-              <a:rPr lang="en-GB" sz="1200" dirty="0">
-                <a:solidFill>
-                  <a:schemeClr val="tx2">
-                    <a:lumMod val="75000"/>
-                  </a:schemeClr>
-                </a:solidFill>
-                <a:latin typeface="Consolas" panose="020B0609020204030204" pitchFamily="49" charset="0"/>
-              </a:rPr>
-              <a:t>;</a:t>
-            </a:r>
-            <a:endParaRPr lang="it-IT" sz="1200" dirty="0">
-              <a:solidFill>
-                <a:schemeClr val="tx2">
-                  <a:lumMod val="75000"/>
-                </a:schemeClr>
-              </a:solidFill>
-              <a:latin typeface="Consolas" panose="020B0609020204030204" pitchFamily="49" charset="0"/>
-            </a:endParaRPr>
-          </a:p>
-          <a:p>
-            <a:pPr marL="0" indent="0">
-              <a:buNone/>
-            </a:pPr>
-            <a:r>
-              <a:rPr lang="en-GB" sz="1200" dirty="0">
-                <a:solidFill>
-                  <a:schemeClr val="tx2">
-                    <a:lumMod val="75000"/>
-                  </a:schemeClr>
-                </a:solidFill>
-                <a:latin typeface="Consolas" panose="020B0609020204030204" pitchFamily="49" charset="0"/>
-              </a:rPr>
-              <a:t>  if (</a:t>
-            </a:r>
-            <a:r>
-              <a:rPr lang="en-GB" sz="1200" dirty="0" err="1">
-                <a:solidFill>
-                  <a:schemeClr val="tx2">
-                    <a:lumMod val="75000"/>
-                  </a:schemeClr>
-                </a:solidFill>
-                <a:latin typeface="Consolas" panose="020B0609020204030204" pitchFamily="49" charset="0"/>
-              </a:rPr>
-              <a:t>car.getPassengersNum</a:t>
-            </a:r>
-            <a:r>
-              <a:rPr lang="en-GB" sz="1200" dirty="0">
-                <a:solidFill>
-                  <a:schemeClr val="tx2">
-                    <a:lumMod val="75000"/>
-                  </a:schemeClr>
-                </a:solidFill>
-                <a:latin typeface="Consolas" panose="020B0609020204030204" pitchFamily="49" charset="0"/>
-              </a:rPr>
-              <a:t>() &gt; 1) {</a:t>
-            </a:r>
-            <a:endParaRPr lang="it-IT" sz="1200" dirty="0">
-              <a:solidFill>
-                <a:schemeClr val="tx2">
-                  <a:lumMod val="75000"/>
-                </a:schemeClr>
-              </a:solidFill>
-              <a:latin typeface="Consolas" panose="020B0609020204030204" pitchFamily="49" charset="0"/>
-            </a:endParaRPr>
-          </a:p>
-          <a:p>
-            <a:pPr marL="0" indent="0">
-              <a:buNone/>
-            </a:pPr>
-            <a:r>
-              <a:rPr lang="en-GB" sz="1200" dirty="0">
-                <a:solidFill>
-                  <a:schemeClr val="tx2">
-                    <a:lumMod val="75000"/>
-                  </a:schemeClr>
-                </a:solidFill>
-                <a:latin typeface="Consolas" panose="020B0609020204030204" pitchFamily="49" charset="0"/>
-              </a:rPr>
-              <a:t>    </a:t>
-            </a:r>
-            <a:r>
-              <a:rPr lang="en-GB" sz="1200" dirty="0" err="1">
-                <a:solidFill>
-                  <a:schemeClr val="tx2">
-                    <a:lumMod val="75000"/>
-                  </a:schemeClr>
-                </a:solidFill>
-                <a:latin typeface="Consolas" panose="020B0609020204030204" pitchFamily="49" charset="0"/>
-              </a:rPr>
-              <a:t>passengerDiscount</a:t>
-            </a:r>
-            <a:r>
-              <a:rPr lang="en-GB" sz="1200" dirty="0">
-                <a:solidFill>
-                  <a:schemeClr val="tx2">
-                    <a:lumMod val="75000"/>
-                  </a:schemeClr>
-                </a:solidFill>
-                <a:latin typeface="Consolas" panose="020B0609020204030204" pitchFamily="49" charset="0"/>
-              </a:rPr>
-              <a:t> = total * 0.1;</a:t>
-            </a:r>
-            <a:endParaRPr lang="it-IT" sz="1200" dirty="0">
-              <a:solidFill>
-                <a:schemeClr val="tx2">
-                  <a:lumMod val="75000"/>
-                </a:schemeClr>
-              </a:solidFill>
-              <a:latin typeface="Consolas" panose="020B0609020204030204" pitchFamily="49" charset="0"/>
-            </a:endParaRPr>
-          </a:p>
-          <a:p>
-            <a:pPr marL="0" indent="0">
-              <a:buNone/>
-            </a:pPr>
-            <a:r>
-              <a:rPr lang="en-GB" sz="1200" dirty="0">
-                <a:solidFill>
-                  <a:schemeClr val="tx2">
-                    <a:lumMod val="75000"/>
-                  </a:schemeClr>
-                </a:solidFill>
-                <a:latin typeface="Consolas" panose="020B0609020204030204" pitchFamily="49" charset="0"/>
-              </a:rPr>
-              <a:t>  }</a:t>
-            </a:r>
-            <a:endParaRPr lang="it-IT" sz="1200" dirty="0">
-              <a:solidFill>
-                <a:schemeClr val="tx2">
-                  <a:lumMod val="75000"/>
-                </a:schemeClr>
-              </a:solidFill>
-              <a:latin typeface="Consolas" panose="020B0609020204030204" pitchFamily="49" charset="0"/>
-            </a:endParaRPr>
-          </a:p>
-          <a:p>
-            <a:pPr marL="0" indent="0">
-              <a:buNone/>
-            </a:pPr>
-            <a:r>
-              <a:rPr lang="en-GB" sz="1200" dirty="0">
-                <a:solidFill>
-                  <a:schemeClr val="tx2">
-                    <a:lumMod val="75000"/>
-                  </a:schemeClr>
-                </a:solidFill>
-                <a:latin typeface="Consolas" panose="020B0609020204030204" pitchFamily="49" charset="0"/>
-              </a:rPr>
-              <a:t>  if (</a:t>
-            </a:r>
-            <a:r>
-              <a:rPr lang="en-GB" sz="1200" dirty="0" err="1">
-                <a:solidFill>
-                  <a:schemeClr val="tx2">
-                    <a:lumMod val="75000"/>
-                  </a:schemeClr>
-                </a:solidFill>
-                <a:latin typeface="Consolas" panose="020B0609020204030204" pitchFamily="49" charset="0"/>
-              </a:rPr>
-              <a:t>car.getBatteryLevel</a:t>
-            </a:r>
-            <a:r>
-              <a:rPr lang="en-GB" sz="1200" dirty="0">
-                <a:solidFill>
-                  <a:schemeClr val="tx2">
-                    <a:lumMod val="75000"/>
-                  </a:schemeClr>
-                </a:solidFill>
-                <a:latin typeface="Consolas" panose="020B0609020204030204" pitchFamily="49" charset="0"/>
-              </a:rPr>
-              <a:t>() &gt; 50) {</a:t>
-            </a:r>
-            <a:endParaRPr lang="it-IT" sz="1200" dirty="0">
-              <a:solidFill>
-                <a:schemeClr val="tx2">
-                  <a:lumMod val="75000"/>
-                </a:schemeClr>
-              </a:solidFill>
-              <a:latin typeface="Consolas" panose="020B0609020204030204" pitchFamily="49" charset="0"/>
-            </a:endParaRPr>
-          </a:p>
-          <a:p>
-            <a:pPr marL="0" indent="0">
-              <a:buNone/>
-            </a:pPr>
-            <a:r>
-              <a:rPr lang="en-GB" sz="1200" dirty="0">
-                <a:solidFill>
-                  <a:schemeClr val="tx2">
-                    <a:lumMod val="75000"/>
-                  </a:schemeClr>
-                </a:solidFill>
-                <a:latin typeface="Consolas" panose="020B0609020204030204" pitchFamily="49" charset="0"/>
-              </a:rPr>
-              <a:t>    </a:t>
-            </a:r>
-            <a:r>
-              <a:rPr lang="en-GB" sz="1200" dirty="0" err="1">
-                <a:solidFill>
-                  <a:schemeClr val="tx2">
-                    <a:lumMod val="75000"/>
-                  </a:schemeClr>
-                </a:solidFill>
-                <a:latin typeface="Consolas" panose="020B0609020204030204" pitchFamily="49" charset="0"/>
-              </a:rPr>
-              <a:t>batteryDiscount</a:t>
-            </a:r>
-            <a:r>
-              <a:rPr lang="en-GB" sz="1200" dirty="0">
-                <a:solidFill>
-                  <a:schemeClr val="tx2">
-                    <a:lumMod val="75000"/>
-                  </a:schemeClr>
-                </a:solidFill>
-                <a:latin typeface="Consolas" panose="020B0609020204030204" pitchFamily="49" charset="0"/>
-              </a:rPr>
-              <a:t> = total * 0.2;</a:t>
-            </a:r>
-            <a:endParaRPr lang="it-IT" sz="1200" dirty="0">
-              <a:solidFill>
-                <a:schemeClr val="tx2">
-                  <a:lumMod val="75000"/>
-                </a:schemeClr>
-              </a:solidFill>
-              <a:latin typeface="Consolas" panose="020B0609020204030204" pitchFamily="49" charset="0"/>
-            </a:endParaRPr>
-          </a:p>
-          <a:p>
-            <a:pPr marL="0" indent="0">
-              <a:buNone/>
-            </a:pPr>
-            <a:r>
-              <a:rPr lang="en-GB" sz="1200" dirty="0">
-                <a:solidFill>
-                  <a:schemeClr val="tx2">
-                    <a:lumMod val="75000"/>
-                  </a:schemeClr>
-                </a:solidFill>
-                <a:latin typeface="Consolas" panose="020B0609020204030204" pitchFamily="49" charset="0"/>
-              </a:rPr>
-              <a:t>  }</a:t>
-            </a:r>
-            <a:endParaRPr lang="it-IT" sz="1200" dirty="0">
-              <a:solidFill>
-                <a:schemeClr val="tx2">
-                  <a:lumMod val="75000"/>
-                </a:schemeClr>
-              </a:solidFill>
-              <a:latin typeface="Consolas" panose="020B0609020204030204" pitchFamily="49" charset="0"/>
-            </a:endParaRPr>
-          </a:p>
-          <a:p>
-            <a:pPr marL="0" indent="0">
-              <a:buNone/>
-            </a:pPr>
-            <a:r>
-              <a:rPr lang="en-GB" sz="1200" dirty="0">
-                <a:solidFill>
-                  <a:schemeClr val="tx2">
-                    <a:lumMod val="75000"/>
-                  </a:schemeClr>
-                </a:solidFill>
-                <a:latin typeface="Consolas" panose="020B0609020204030204" pitchFamily="49" charset="0"/>
-              </a:rPr>
-              <a:t>  if (</a:t>
-            </a:r>
-            <a:r>
-              <a:rPr lang="en-GB" sz="1200" dirty="0" err="1">
-                <a:solidFill>
-                  <a:schemeClr val="tx2">
-                    <a:lumMod val="75000"/>
-                  </a:schemeClr>
-                </a:solidFill>
-                <a:latin typeface="Consolas" panose="020B0609020204030204" pitchFamily="49" charset="0"/>
-              </a:rPr>
-              <a:t>car.isCharging</a:t>
-            </a:r>
-            <a:r>
-              <a:rPr lang="en-GB" sz="1200" dirty="0">
-                <a:solidFill>
-                  <a:schemeClr val="tx2">
-                    <a:lumMod val="75000"/>
-                  </a:schemeClr>
-                </a:solidFill>
-                <a:latin typeface="Consolas" panose="020B0609020204030204" pitchFamily="49" charset="0"/>
-              </a:rPr>
-              <a:t>() == true) {</a:t>
-            </a:r>
-            <a:endParaRPr lang="it-IT" sz="1200" dirty="0">
-              <a:solidFill>
-                <a:schemeClr val="tx2">
-                  <a:lumMod val="75000"/>
-                </a:schemeClr>
-              </a:solidFill>
-              <a:latin typeface="Consolas" panose="020B0609020204030204" pitchFamily="49" charset="0"/>
-            </a:endParaRPr>
-          </a:p>
-          <a:p>
-            <a:pPr marL="0" indent="0">
-              <a:buNone/>
-            </a:pPr>
-            <a:r>
-              <a:rPr lang="en-GB" sz="1200" dirty="0">
-                <a:solidFill>
-                  <a:schemeClr val="tx2">
-                    <a:lumMod val="75000"/>
-                  </a:schemeClr>
-                </a:solidFill>
-                <a:latin typeface="Consolas" panose="020B0609020204030204" pitchFamily="49" charset="0"/>
-              </a:rPr>
-              <a:t>    </a:t>
-            </a:r>
-            <a:r>
-              <a:rPr lang="en-GB" sz="1200" dirty="0" err="1">
-                <a:solidFill>
-                  <a:schemeClr val="tx2">
-                    <a:lumMod val="75000"/>
-                  </a:schemeClr>
-                </a:solidFill>
-                <a:latin typeface="Consolas" panose="020B0609020204030204" pitchFamily="49" charset="0"/>
-              </a:rPr>
-              <a:t>plugDiscount</a:t>
-            </a:r>
-            <a:r>
-              <a:rPr lang="en-GB" sz="1200" dirty="0">
-                <a:solidFill>
-                  <a:schemeClr val="tx2">
-                    <a:lumMod val="75000"/>
-                  </a:schemeClr>
-                </a:solidFill>
-                <a:latin typeface="Consolas" panose="020B0609020204030204" pitchFamily="49" charset="0"/>
-              </a:rPr>
-              <a:t> = total * 0.3;</a:t>
-            </a:r>
-            <a:endParaRPr lang="it-IT" sz="1200" dirty="0">
-              <a:solidFill>
-                <a:schemeClr val="tx2">
-                  <a:lumMod val="75000"/>
-                </a:schemeClr>
-              </a:solidFill>
-              <a:latin typeface="Consolas" panose="020B0609020204030204" pitchFamily="49" charset="0"/>
-            </a:endParaRPr>
-          </a:p>
-          <a:p>
-            <a:pPr marL="0" indent="0">
-              <a:buNone/>
-            </a:pPr>
-            <a:r>
-              <a:rPr lang="en-GB" sz="1200" dirty="0">
-                <a:solidFill>
-                  <a:schemeClr val="tx2">
-                    <a:lumMod val="75000"/>
-                  </a:schemeClr>
-                </a:solidFill>
-                <a:latin typeface="Consolas" panose="020B0609020204030204" pitchFamily="49" charset="0"/>
-              </a:rPr>
-              <a:t>  }</a:t>
-            </a:r>
-            <a:endParaRPr lang="it-IT" sz="1200" dirty="0">
-              <a:solidFill>
-                <a:schemeClr val="tx2">
-                  <a:lumMod val="75000"/>
-                </a:schemeClr>
-              </a:solidFill>
-              <a:latin typeface="Consolas" panose="020B0609020204030204" pitchFamily="49" charset="0"/>
-            </a:endParaRPr>
-          </a:p>
-          <a:p>
-            <a:pPr marL="0" indent="0">
-              <a:buNone/>
-            </a:pPr>
-            <a:r>
-              <a:rPr lang="en-GB" sz="1200" dirty="0">
-                <a:solidFill>
-                  <a:schemeClr val="tx2">
-                    <a:lumMod val="75000"/>
-                  </a:schemeClr>
-                </a:solidFill>
-                <a:latin typeface="Consolas" panose="020B0609020204030204" pitchFamily="49" charset="0"/>
-              </a:rPr>
-              <a:t>  if (</a:t>
-            </a:r>
-            <a:r>
-              <a:rPr lang="en-GB" sz="1200" dirty="0" err="1">
-                <a:solidFill>
-                  <a:schemeClr val="tx2">
-                    <a:lumMod val="75000"/>
-                  </a:schemeClr>
-                </a:solidFill>
-                <a:latin typeface="Consolas" panose="020B0609020204030204" pitchFamily="49" charset="0"/>
-              </a:rPr>
-              <a:t>car.getBatteryLevel</a:t>
-            </a:r>
-            <a:r>
-              <a:rPr lang="en-GB" sz="1200" dirty="0">
-                <a:solidFill>
-                  <a:schemeClr val="tx2">
-                    <a:lumMod val="75000"/>
-                  </a:schemeClr>
-                </a:solidFill>
-                <a:latin typeface="Consolas" panose="020B0609020204030204" pitchFamily="49" charset="0"/>
-              </a:rPr>
-              <a:t>() &lt; 20 and </a:t>
-            </a:r>
-          </a:p>
-          <a:p>
-            <a:pPr marL="0" indent="0">
-              <a:buNone/>
-            </a:pPr>
-            <a:r>
-              <a:rPr lang="en-GB" sz="1200" dirty="0">
-                <a:solidFill>
-                  <a:schemeClr val="tx2">
-                    <a:lumMod val="75000"/>
-                  </a:schemeClr>
-                </a:solidFill>
-                <a:latin typeface="Consolas" panose="020B0609020204030204" pitchFamily="49" charset="0"/>
-              </a:rPr>
-              <a:t>      </a:t>
-            </a:r>
-            <a:r>
-              <a:rPr lang="en-GB" sz="1200" dirty="0" err="1">
-                <a:solidFill>
-                  <a:schemeClr val="tx2">
-                    <a:lumMod val="75000"/>
-                  </a:schemeClr>
-                </a:solidFill>
-                <a:latin typeface="Consolas" panose="020B0609020204030204" pitchFamily="49" charset="0"/>
-              </a:rPr>
-              <a:t>checkDistanceBetween</a:t>
-            </a:r>
-            <a:r>
-              <a:rPr lang="en-GB" sz="1200" dirty="0">
-                <a:solidFill>
-                  <a:schemeClr val="tx2">
-                    <a:lumMod val="75000"/>
-                  </a:schemeClr>
-                </a:solidFill>
-                <a:latin typeface="Consolas" panose="020B0609020204030204" pitchFamily="49" charset="0"/>
-              </a:rPr>
-              <a:t>(</a:t>
-            </a:r>
-            <a:r>
-              <a:rPr lang="en-GB" sz="1200" dirty="0" err="1">
-                <a:solidFill>
-                  <a:schemeClr val="tx2">
-                    <a:lumMod val="75000"/>
-                  </a:schemeClr>
-                </a:solidFill>
-                <a:latin typeface="Consolas" panose="020B0609020204030204" pitchFamily="49" charset="0"/>
-              </a:rPr>
-              <a:t>findClosestStation</a:t>
-            </a:r>
-            <a:r>
-              <a:rPr lang="en-GB" sz="1200" dirty="0">
-                <a:solidFill>
-                  <a:schemeClr val="tx2">
-                    <a:lumMod val="75000"/>
-                  </a:schemeClr>
-                </a:solidFill>
-                <a:latin typeface="Consolas" panose="020B0609020204030204" pitchFamily="49" charset="0"/>
-              </a:rPr>
-              <a:t>(</a:t>
-            </a:r>
-            <a:r>
-              <a:rPr lang="en-GB" sz="1200" dirty="0" err="1">
-                <a:solidFill>
-                  <a:schemeClr val="tx2">
-                    <a:lumMod val="75000"/>
-                  </a:schemeClr>
-                </a:solidFill>
-                <a:latin typeface="Consolas" panose="020B0609020204030204" pitchFamily="49" charset="0"/>
-              </a:rPr>
-              <a:t>car.getPosition</a:t>
-            </a:r>
-            <a:r>
-              <a:rPr lang="en-GB" sz="1200" dirty="0">
-                <a:solidFill>
-                  <a:schemeClr val="tx2">
-                    <a:lumMod val="75000"/>
-                  </a:schemeClr>
-                </a:solidFill>
-                <a:latin typeface="Consolas" panose="020B0609020204030204" pitchFamily="49" charset="0"/>
-              </a:rPr>
-              <a:t>()), car) &gt; 3) {</a:t>
-            </a:r>
-            <a:endParaRPr lang="it-IT" sz="1200" dirty="0">
-              <a:solidFill>
-                <a:schemeClr val="tx2">
-                  <a:lumMod val="75000"/>
-                </a:schemeClr>
-              </a:solidFill>
-              <a:latin typeface="Consolas" panose="020B0609020204030204" pitchFamily="49" charset="0"/>
-            </a:endParaRPr>
-          </a:p>
-          <a:p>
-            <a:pPr marL="0" indent="0">
-              <a:buNone/>
-            </a:pPr>
-            <a:r>
-              <a:rPr lang="en-GB" sz="1200" dirty="0">
-                <a:solidFill>
-                  <a:schemeClr val="tx2">
-                    <a:lumMod val="75000"/>
-                  </a:schemeClr>
-                </a:solidFill>
-                <a:latin typeface="Consolas" panose="020B0609020204030204" pitchFamily="49" charset="0"/>
-              </a:rPr>
-              <a:t>    </a:t>
-            </a:r>
-            <a:r>
-              <a:rPr lang="en-GB" sz="1200" dirty="0" err="1">
-                <a:solidFill>
-                  <a:schemeClr val="tx2">
-                    <a:lumMod val="75000"/>
-                  </a:schemeClr>
-                </a:solidFill>
-                <a:latin typeface="Consolas" panose="020B0609020204030204" pitchFamily="49" charset="0"/>
-              </a:rPr>
-              <a:t>lowBatteryFee</a:t>
-            </a:r>
-            <a:r>
-              <a:rPr lang="en-GB" sz="1200" dirty="0">
-                <a:solidFill>
-                  <a:schemeClr val="tx2">
-                    <a:lumMod val="75000"/>
-                  </a:schemeClr>
-                </a:solidFill>
-                <a:latin typeface="Consolas" panose="020B0609020204030204" pitchFamily="49" charset="0"/>
-              </a:rPr>
-              <a:t> = total * 0.3;</a:t>
-            </a:r>
-            <a:endParaRPr lang="it-IT" sz="1200" dirty="0">
-              <a:solidFill>
-                <a:schemeClr val="tx2">
-                  <a:lumMod val="75000"/>
-                </a:schemeClr>
-              </a:solidFill>
-              <a:latin typeface="Consolas" panose="020B0609020204030204" pitchFamily="49" charset="0"/>
-            </a:endParaRPr>
-          </a:p>
-          <a:p>
-            <a:pPr marL="0" indent="0">
-              <a:buNone/>
-            </a:pPr>
-            <a:r>
-              <a:rPr lang="en-GB" sz="1200" dirty="0">
-                <a:solidFill>
-                  <a:schemeClr val="tx2">
-                    <a:lumMod val="75000"/>
-                  </a:schemeClr>
-                </a:solidFill>
-                <a:latin typeface="Consolas" panose="020B0609020204030204" pitchFamily="49" charset="0"/>
-              </a:rPr>
-              <a:t>  }</a:t>
-            </a:r>
-            <a:endParaRPr lang="it-IT" sz="1200" dirty="0">
-              <a:solidFill>
-                <a:schemeClr val="tx2">
-                  <a:lumMod val="75000"/>
-                </a:schemeClr>
-              </a:solidFill>
-              <a:latin typeface="Consolas" panose="020B0609020204030204" pitchFamily="49" charset="0"/>
-            </a:endParaRPr>
-          </a:p>
-          <a:p>
-            <a:pPr marL="0" indent="0">
-              <a:buNone/>
-            </a:pPr>
-            <a:r>
-              <a:rPr lang="en-GB" sz="1200" dirty="0">
-                <a:solidFill>
-                  <a:schemeClr val="tx2">
-                    <a:lumMod val="75000"/>
-                  </a:schemeClr>
-                </a:solidFill>
-                <a:latin typeface="Consolas" panose="020B0609020204030204" pitchFamily="49" charset="0"/>
-              </a:rPr>
-              <a:t>  float </a:t>
-            </a:r>
-            <a:r>
-              <a:rPr lang="en-GB" sz="1200" dirty="0" err="1">
-                <a:solidFill>
-                  <a:schemeClr val="tx2">
-                    <a:lumMod val="75000"/>
-                  </a:schemeClr>
-                </a:solidFill>
-                <a:latin typeface="Consolas" panose="020B0609020204030204" pitchFamily="49" charset="0"/>
-              </a:rPr>
-              <a:t>finalCharge</a:t>
-            </a:r>
-            <a:r>
-              <a:rPr lang="en-GB" sz="1200" dirty="0">
-                <a:solidFill>
-                  <a:schemeClr val="tx2">
-                    <a:lumMod val="75000"/>
-                  </a:schemeClr>
-                </a:solidFill>
-                <a:latin typeface="Consolas" panose="020B0609020204030204" pitchFamily="49" charset="0"/>
-              </a:rPr>
-              <a:t> = total – </a:t>
-            </a:r>
-            <a:r>
-              <a:rPr lang="en-GB" sz="1200" dirty="0" err="1">
-                <a:solidFill>
-                  <a:schemeClr val="tx2">
-                    <a:lumMod val="75000"/>
-                  </a:schemeClr>
-                </a:solidFill>
-                <a:latin typeface="Consolas" panose="020B0609020204030204" pitchFamily="49" charset="0"/>
-              </a:rPr>
-              <a:t>passengerDiscount</a:t>
-            </a:r>
-            <a:r>
-              <a:rPr lang="en-GB" sz="1200" dirty="0">
-                <a:solidFill>
-                  <a:schemeClr val="tx2">
-                    <a:lumMod val="75000"/>
-                  </a:schemeClr>
-                </a:solidFill>
-                <a:latin typeface="Consolas" panose="020B0609020204030204" pitchFamily="49" charset="0"/>
-              </a:rPr>
-              <a:t> – </a:t>
-            </a:r>
-            <a:r>
-              <a:rPr lang="en-GB" sz="1200" dirty="0" err="1">
-                <a:solidFill>
-                  <a:schemeClr val="tx2">
-                    <a:lumMod val="75000"/>
-                  </a:schemeClr>
-                </a:solidFill>
-                <a:latin typeface="Consolas" panose="020B0609020204030204" pitchFamily="49" charset="0"/>
-              </a:rPr>
-              <a:t>batteryDiscount</a:t>
-            </a:r>
-            <a:r>
-              <a:rPr lang="en-GB" sz="1200" dirty="0">
-                <a:solidFill>
-                  <a:schemeClr val="tx2">
-                    <a:lumMod val="75000"/>
-                  </a:schemeClr>
-                </a:solidFill>
-                <a:latin typeface="Consolas" panose="020B0609020204030204" pitchFamily="49" charset="0"/>
-              </a:rPr>
-              <a:t> – </a:t>
-            </a:r>
-            <a:r>
-              <a:rPr lang="en-GB" sz="1200" dirty="0" err="1">
-                <a:solidFill>
-                  <a:schemeClr val="tx2">
-                    <a:lumMod val="75000"/>
-                  </a:schemeClr>
-                </a:solidFill>
-                <a:latin typeface="Consolas" panose="020B0609020204030204" pitchFamily="49" charset="0"/>
-              </a:rPr>
-              <a:t>plugDiscount</a:t>
-            </a:r>
-            <a:r>
-              <a:rPr lang="en-GB" sz="1200" dirty="0">
-                <a:solidFill>
-                  <a:schemeClr val="tx2">
-                    <a:lumMod val="75000"/>
-                  </a:schemeClr>
-                </a:solidFill>
-                <a:latin typeface="Consolas" panose="020B0609020204030204" pitchFamily="49" charset="0"/>
-              </a:rPr>
-              <a:t> + </a:t>
-            </a:r>
-            <a:r>
-              <a:rPr lang="en-GB" sz="1200" dirty="0" err="1">
-                <a:solidFill>
-                  <a:schemeClr val="tx2">
-                    <a:lumMod val="75000"/>
-                  </a:schemeClr>
-                </a:solidFill>
-                <a:latin typeface="Consolas" panose="020B0609020204030204" pitchFamily="49" charset="0"/>
-              </a:rPr>
-              <a:t>lowBatteryFee</a:t>
-            </a:r>
-            <a:r>
-              <a:rPr lang="en-GB" sz="1200" dirty="0">
-                <a:solidFill>
-                  <a:schemeClr val="tx2">
-                    <a:lumMod val="75000"/>
-                  </a:schemeClr>
-                </a:solidFill>
-                <a:latin typeface="Consolas" panose="020B0609020204030204" pitchFamily="49" charset="0"/>
-              </a:rPr>
-              <a:t>;</a:t>
-            </a:r>
-            <a:endParaRPr lang="it-IT" sz="1200" dirty="0">
-              <a:solidFill>
-                <a:schemeClr val="tx2">
-                  <a:lumMod val="75000"/>
-                </a:schemeClr>
-              </a:solidFill>
-              <a:latin typeface="Consolas" panose="020B0609020204030204" pitchFamily="49" charset="0"/>
-            </a:endParaRPr>
-          </a:p>
-          <a:p>
-            <a:pPr marL="0" indent="0">
-              <a:buNone/>
-            </a:pPr>
-            <a:r>
-              <a:rPr lang="en-GB" sz="1200" dirty="0">
-                <a:solidFill>
-                  <a:schemeClr val="tx2">
-                    <a:lumMod val="75000"/>
-                  </a:schemeClr>
-                </a:solidFill>
-                <a:latin typeface="Consolas" panose="020B0609020204030204" pitchFamily="49" charset="0"/>
-              </a:rPr>
-              <a:t>  return </a:t>
-            </a:r>
-            <a:r>
-              <a:rPr lang="en-GB" sz="1200" dirty="0" err="1">
-                <a:solidFill>
-                  <a:schemeClr val="tx2">
-                    <a:lumMod val="75000"/>
-                  </a:schemeClr>
-                </a:solidFill>
-                <a:latin typeface="Consolas" panose="020B0609020204030204" pitchFamily="49" charset="0"/>
-              </a:rPr>
-              <a:t>finalCharge</a:t>
-            </a:r>
-            <a:r>
-              <a:rPr lang="en-GB" sz="1200" dirty="0">
-                <a:solidFill>
-                  <a:schemeClr val="tx2">
-                    <a:lumMod val="75000"/>
-                  </a:schemeClr>
-                </a:solidFill>
-                <a:latin typeface="Consolas" panose="020B0609020204030204" pitchFamily="49" charset="0"/>
-              </a:rPr>
-              <a:t>;</a:t>
-            </a:r>
-            <a:endParaRPr lang="it-IT" sz="1200" dirty="0">
-              <a:solidFill>
-                <a:schemeClr val="tx2">
-                  <a:lumMod val="75000"/>
-                </a:schemeClr>
-              </a:solidFill>
-              <a:latin typeface="Consolas" panose="020B0609020204030204" pitchFamily="49" charset="0"/>
-            </a:endParaRPr>
-          </a:p>
-          <a:p>
-            <a:pPr marL="0" indent="0">
-              <a:buNone/>
-            </a:pPr>
-            <a:r>
-              <a:rPr lang="en-GB" sz="1200" dirty="0">
-                <a:solidFill>
-                  <a:schemeClr val="tx2">
-                    <a:lumMod val="75000"/>
-                  </a:schemeClr>
-                </a:solidFill>
-                <a:latin typeface="Consolas" panose="020B0609020204030204" pitchFamily="49" charset="0"/>
-              </a:rPr>
-              <a:t>}</a:t>
-            </a:r>
-          </a:p>
-        </p:txBody>
-      </p:sp>
+      </p:pic>
     </p:spTree>
     <p:extLst>
       <p:ext uri="{BB962C8B-B14F-4D97-AF65-F5344CB8AC3E}">
